--- a/DataScienceGuidedCapstone/Notebooks/Reports/BigMountainResort.pptx
+++ b/DataScienceGuidedCapstone/Notebooks/Reports/BigMountainResort.pptx
@@ -765,7 +765,7 @@
           <a:p>
             <a:fld id="{23FEA57E-7C1A-457B-A4CD-5DCEB057B502}" type="datetime1">
               <a:rPr lang="en-US" smtClean="0"/>
-              <a:t>10/14/2021</a:t>
+              <a:t>10/15/2021</a:t>
             </a:fld>
             <a:endParaRPr lang="en-US" dirty="0"/>
           </a:p>
@@ -968,7 +968,7 @@
           <a:p>
             <a:fld id="{11789749-A4CD-447F-8298-2B7988C91CEA}" type="datetime1">
               <a:rPr lang="en-US" smtClean="0"/>
-              <a:t>10/14/2021</a:t>
+              <a:t>10/15/2021</a:t>
             </a:fld>
             <a:endParaRPr lang="en-US"/>
           </a:p>
@@ -1179,7 +1179,7 @@
           <a:p>
             <a:fld id="{BA0444D3-C0BA-4587-A56C-581AB9F841BE}" type="datetime1">
               <a:rPr lang="en-US" smtClean="0"/>
-              <a:t>10/14/2021</a:t>
+              <a:t>10/15/2021</a:t>
             </a:fld>
             <a:endParaRPr lang="en-US"/>
           </a:p>
@@ -1393,7 +1393,7 @@
           <a:p>
             <a:fld id="{201AF2CE-4F37-411C-A3EE-BBBE223265BF}" type="datetime1">
               <a:rPr lang="en-US" smtClean="0"/>
-              <a:t>10/14/2021</a:t>
+              <a:t>10/15/2021</a:t>
             </a:fld>
             <a:endParaRPr lang="en-US"/>
           </a:p>
@@ -1674,7 +1674,7 @@
           <a:p>
             <a:fld id="{C96083D4-708C-4BB5-B4FD-30CE9FA12FD5}" type="datetime1">
               <a:rPr lang="en-US" smtClean="0"/>
-              <a:t>10/14/2021</a:t>
+              <a:t>10/15/2021</a:t>
             </a:fld>
             <a:endParaRPr lang="en-US"/>
           </a:p>
@@ -1954,7 +1954,7 @@
           <a:p>
             <a:fld id="{D0D239B2-65BC-4C2A-A62B-3EABFE9590E4}" type="datetime1">
               <a:rPr lang="en-US" smtClean="0"/>
-              <a:t>10/14/2021</a:t>
+              <a:t>10/15/2021</a:t>
             </a:fld>
             <a:endParaRPr lang="en-US"/>
           </a:p>
@@ -2376,7 +2376,7 @@
           <a:p>
             <a:fld id="{85E05F5A-E4A3-476F-A89E-C2B73F2431E4}" type="datetime1">
               <a:rPr lang="en-US" smtClean="0"/>
-              <a:t>10/14/2021</a:t>
+              <a:t>10/15/2021</a:t>
             </a:fld>
             <a:endParaRPr lang="en-US"/>
           </a:p>
@@ -2521,7 +2521,7 @@
           <a:p>
             <a:fld id="{E3761515-4A26-4F31-9F61-5A10B1FABBFC}" type="datetime1">
               <a:rPr lang="en-US" smtClean="0"/>
-              <a:t>10/14/2021</a:t>
+              <a:t>10/15/2021</a:t>
             </a:fld>
             <a:endParaRPr lang="en-US"/>
           </a:p>
@@ -2637,7 +2637,7 @@
           <a:p>
             <a:fld id="{4A75DC65-7D1F-4BAB-9695-F7E734143E14}" type="datetime1">
               <a:rPr lang="en-US" smtClean="0"/>
-              <a:t>10/14/2021</a:t>
+              <a:t>10/15/2021</a:t>
             </a:fld>
             <a:endParaRPr lang="en-US"/>
           </a:p>
@@ -2951,7 +2951,7 @@
           <a:p>
             <a:fld id="{7E624077-BD55-4036-8E92-6558FDF3B653}" type="datetime1">
               <a:rPr lang="en-US" smtClean="0"/>
-              <a:t>10/14/2021</a:t>
+              <a:t>10/15/2021</a:t>
             </a:fld>
             <a:endParaRPr lang="en-US"/>
           </a:p>
@@ -3245,7 +3245,7 @@
           <a:p>
             <a:fld id="{804225F2-7107-4609-BCC2-77C63064A5E8}" type="datetime1">
               <a:rPr lang="en-US" smtClean="0"/>
-              <a:t>10/14/2021</a:t>
+              <a:t>10/15/2021</a:t>
             </a:fld>
             <a:endParaRPr lang="en-US"/>
           </a:p>
@@ -3493,7 +3493,7 @@
           <a:p>
             <a:fld id="{D3FE42E8-8B57-452D-A122-4DCE9AC771EF}" type="datetime1">
               <a:rPr lang="en-US" smtClean="0"/>
-              <a:t>10/14/2021</a:t>
+              <a:t>10/15/2021</a:t>
             </a:fld>
             <a:endParaRPr lang="en-US"/>
           </a:p>
@@ -7118,8 +7118,8 @@
         </p:nvSpPr>
         <p:spPr>
           <a:xfrm>
-            <a:off x="1371600" y="2206257"/>
-            <a:ext cx="9486901" cy="3540642"/>
+            <a:off x="1371601" y="2206257"/>
+            <a:ext cx="9486900" cy="3540642"/>
           </a:xfrm>
         </p:spPr>
         <p:txBody>
@@ -7185,7 +7185,7 @@
             </a:r>
             <a:r>
               <a:rPr lang="en-US" dirty="0" err="1"/>
-              <a:t>GradientForest</a:t>
+              <a:t>GradientBoosting</a:t>
             </a:r>
             <a:r>
               <a:rPr lang="en-US" dirty="0"/>
